--- a/Final Project/Part I/Presentation1.pptx
+++ b/Final Project/Part I/Presentation1.pptx
@@ -5,7 +5,7 @@
     <p:sldMasterId id="2147483679" r:id="rId1"/>
   </p:sldMasterIdLst>
   <p:notesMasterIdLst>
-    <p:notesMasterId r:id="rId8"/>
+    <p:notesMasterId r:id="rId9"/>
   </p:notesMasterIdLst>
   <p:sldIdLst>
     <p:sldId id="256" r:id="rId2"/>
@@ -13,7 +13,8 @@
     <p:sldId id="259" r:id="rId4"/>
     <p:sldId id="260" r:id="rId5"/>
     <p:sldId id="261" r:id="rId6"/>
-    <p:sldId id="258" r:id="rId7"/>
+    <p:sldId id="262" r:id="rId7"/>
+    <p:sldId id="258" r:id="rId8"/>
   </p:sldIdLst>
   <p:sldSz cx="12192000" cy="6858000"/>
   <p:notesSz cx="6858000" cy="9144000"/>
@@ -680,7 +681,7 @@
           <a:p>
             <a:fld id="{A71A03A4-403D-A84B-9B57-123EC87E617D}" type="slidenum">
               <a:rPr lang="en-US" smtClean="0"/>
-              <a:t>6</a:t>
+              <a:t>7</a:t>
             </a:fld>
             <a:endParaRPr lang="en-US"/>
           </a:p>
@@ -7539,7 +7540,9 @@
           </a:xfrm>
         </p:spPr>
         <p:txBody>
-          <a:bodyPr/>
+          <a:bodyPr>
+            <a:normAutofit lnSpcReduction="10000"/>
+          </a:bodyPr>
           <a:lstStyle/>
           <a:p>
             <a:r>
@@ -7558,8 +7561,21 @@
             <a:pPr lvl="2"/>
             <a:r>
               <a:rPr lang="en-US" dirty="0" smtClean="0"/>
-              <a:t>Problem: Determine the association between technology capacity and accreditation readiness among US local health departments. Using the cross-sectional secondary data from the NACCHO 2013 National profile of Local health departments and accreditation readiness criteria as specified by PHAB (Public Health Accreditation Board).  </a:t>
-            </a:r>
+              <a:t>Problem: Determine the association between technology capacity and accreditation readiness among US local health departments. Using the cross-sectional secondary data from the NACCHO 2013 National profile of Local health departments and accreditation readiness criteria as specified by PHAB (Public Health Accreditation Board). </a:t>
+            </a:r>
+            <a:r>
+              <a:rPr lang="en-US" dirty="0"/>
+              <a:t>PHAB prerequisites are completion of a community health assessment (CHA), community health improvement </a:t>
+            </a:r>
+            <a:r>
+              <a:rPr lang="en-US" dirty="0" smtClean="0"/>
+              <a:t>plan(CHIP</a:t>
+            </a:r>
+            <a:r>
+              <a:rPr lang="en-US" dirty="0"/>
+              <a:t>), and agency-wide strategic plan (SP) within the past five years.</a:t>
+            </a:r>
+            <a:endParaRPr lang="en-US" dirty="0"/>
           </a:p>
           <a:p>
             <a:pPr lvl="2"/>
@@ -7581,7 +7597,7 @@
             </a:r>
             <a:r>
               <a:rPr lang="en-US" dirty="0" smtClean="0"/>
-              <a:t> Reporting systems), communication channels (social media, mobile, email marketing usage), and mobile technology tools (smartphones, tables, other) are associated with accreditation readiness.</a:t>
+              <a:t> Reporting systems), communication channels (social media, mobile, email marketing usage), and mobile technology tools (smartphones, tables, other) are associated with accreditation readiness (i.e. have completed the PHAB prerequisites.</a:t>
             </a:r>
           </a:p>
           <a:p>
@@ -7796,6 +7812,60 @@
 </file>
 
 <file path=ppt/slides/slide6.xml><?xml version="1.0" encoding="utf-8"?>
+<p:sld xmlns:a="http://schemas.openxmlformats.org/drawingml/2006/main" xmlns:r="http://schemas.openxmlformats.org/officeDocument/2006/relationships" xmlns:p="http://schemas.openxmlformats.org/presentationml/2006/main">
+  <p:cSld>
+    <p:spTree>
+      <p:nvGrpSpPr>
+        <p:cNvPr id="1" name=""/>
+        <p:cNvGrpSpPr/>
+        <p:nvPr/>
+      </p:nvGrpSpPr>
+      <p:grpSpPr>
+        <a:xfrm>
+          <a:off x="0" y="0"/>
+          <a:ext cx="0" cy="0"/>
+          <a:chOff x="0" y="0"/>
+          <a:chExt cx="0" cy="0"/>
+        </a:xfrm>
+      </p:grpSpPr>
+      <p:pic>
+        <p:nvPicPr>
+          <p:cNvPr id="4" name="Picture 3"/>
+          <p:cNvPicPr>
+            <a:picLocks noChangeAspect="1"/>
+          </p:cNvPicPr>
+          <p:nvPr/>
+        </p:nvPicPr>
+        <p:blipFill>
+          <a:blip r:embed="rId2"/>
+          <a:stretch>
+            <a:fillRect/>
+          </a:stretch>
+        </p:blipFill>
+        <p:spPr>
+          <a:xfrm>
+            <a:off x="2252440" y="0"/>
+            <a:ext cx="7687119" cy="6858000"/>
+          </a:xfrm>
+          <a:prstGeom prst="rect">
+            <a:avLst/>
+          </a:prstGeom>
+        </p:spPr>
+      </p:pic>
+    </p:spTree>
+    <p:extLst>
+      <p:ext uri="{BB962C8B-B14F-4D97-AF65-F5344CB8AC3E}">
+        <p14:creationId xmlns:p14="http://schemas.microsoft.com/office/powerpoint/2010/main" val="501780612"/>
+      </p:ext>
+    </p:extLst>
+  </p:cSld>
+  <p:clrMapOvr>
+    <a:masterClrMapping/>
+  </p:clrMapOvr>
+</p:sld>
+</file>
+
+<file path=ppt/slides/slide7.xml><?xml version="1.0" encoding="utf-8"?>
 <p:sld xmlns:a="http://schemas.openxmlformats.org/drawingml/2006/main" xmlns:r="http://schemas.openxmlformats.org/officeDocument/2006/relationships" xmlns:p="http://schemas.openxmlformats.org/presentationml/2006/main">
   <p:cSld>
     <p:spTree>

--- a/Final Project/Part I/Presentation1.pptx
+++ b/Final Project/Part I/Presentation1.pptx
@@ -7475,6 +7475,13 @@
   <p:clrMapOvr>
     <a:masterClrMapping/>
   </p:clrMapOvr>
+  <p:timing>
+    <p:tnLst>
+      <p:par>
+        <p:cTn id="1" dur="indefinite" restart="never" nodeType="tmRoot"/>
+      </p:par>
+    </p:tnLst>
+  </p:timing>
 </p:sld>
 </file>
 
@@ -7541,7 +7548,7 @@
         </p:spPr>
         <p:txBody>
           <a:bodyPr>
-            <a:normAutofit lnSpcReduction="10000"/>
+            <a:normAutofit fontScale="92500" lnSpcReduction="20000"/>
           </a:bodyPr>
           <a:lstStyle/>
           <a:p>
@@ -7581,7 +7588,27 @@
             <a:pPr lvl="2"/>
             <a:r>
               <a:rPr lang="en-US" dirty="0" smtClean="0"/>
-              <a:t>We will test if reported technology capacity such as IT area (EHR, HIE, </a:t>
+              <a:t>We will test if reported </a:t>
+            </a:r>
+            <a:r>
+              <a:rPr lang="en-US" b="1" u="sng" dirty="0" smtClean="0"/>
+              <a:t>technology capacity </a:t>
+            </a:r>
+            <a:r>
+              <a:rPr lang="en-US" dirty="0" smtClean="0"/>
+              <a:t>such as </a:t>
+            </a:r>
+            <a:r>
+              <a:rPr lang="en-US" b="1" dirty="0" smtClean="0">
+                <a:solidFill>
+                  <a:srgbClr val="C00000"/>
+                </a:solidFill>
+              </a:rPr>
+              <a:t>IT area </a:t>
+            </a:r>
+            <a:r>
+              <a:rPr lang="en-US" dirty="0" smtClean="0"/>
+              <a:t>(EHR, HIE, </a:t>
             </a:r>
             <a:r>
               <a:rPr lang="en-US" dirty="0" err="1" smtClean="0"/>
@@ -7597,7 +7624,51 @@
             </a:r>
             <a:r>
               <a:rPr lang="en-US" dirty="0" smtClean="0"/>
-              <a:t> Reporting systems), communication channels (social media, mobile, email marketing usage), and mobile technology tools (smartphones, tables, other) are associated with accreditation readiness (i.e. have completed the PHAB prerequisites.</a:t>
+              <a:t> Reporting systems), </a:t>
+            </a:r>
+            <a:r>
+              <a:rPr lang="en-US" b="1" dirty="0" smtClean="0">
+                <a:solidFill>
+                  <a:srgbClr val="C00000"/>
+                </a:solidFill>
+              </a:rPr>
+              <a:t>communication channels </a:t>
+            </a:r>
+            <a:r>
+              <a:rPr lang="en-US" dirty="0" smtClean="0"/>
+              <a:t>(social media, mobile, email marketing usage), and </a:t>
+            </a:r>
+            <a:r>
+              <a:rPr lang="en-US" b="1" dirty="0" smtClean="0">
+                <a:solidFill>
+                  <a:srgbClr val="C00000"/>
+                </a:solidFill>
+              </a:rPr>
+              <a:t>mobile technology tools </a:t>
+            </a:r>
+            <a:r>
+              <a:rPr lang="en-US" dirty="0" smtClean="0"/>
+              <a:t>(smartphones, tables, other) are associated with </a:t>
+            </a:r>
+            <a:r>
+              <a:rPr lang="en-US" b="1" u="sng" dirty="0" smtClean="0">
+                <a:solidFill>
+                  <a:schemeClr val="accent4"/>
+                </a:solidFill>
+              </a:rPr>
+              <a:t>accreditation readiness</a:t>
+            </a:r>
+            <a:r>
+              <a:rPr lang="en-US" b="1" dirty="0" smtClean="0">
+                <a:solidFill>
+                  <a:schemeClr val="accent4"/>
+                </a:solidFill>
+              </a:rPr>
+              <a:t> (i.e. have completed the PHAB prerequisites)</a:t>
+            </a:r>
+            <a:r>
+              <a:rPr lang="en-US" dirty="0" smtClean="0"/>
+              <a:t>.</a:t>
             </a:r>
           </a:p>
           <a:p>
@@ -7612,6 +7683,23 @@
             <a:r>
               <a:rPr lang="en-US" dirty="0" smtClean="0"/>
               <a:t>Determine what other factors may be associated with accreditation readiness</a:t>
+            </a:r>
+          </a:p>
+          <a:p>
+            <a:pPr lvl="3"/>
+            <a:r>
+              <a:rPr lang="en-US" dirty="0" smtClean="0"/>
+              <a:t>I’m open </a:t>
+            </a:r>
+            <a:r>
+              <a:rPr lang="en-US" smtClean="0"/>
+              <a:t>to suggestion </a:t>
+            </a:r>
+            <a:r>
+              <a:rPr lang="en-US" smtClean="0">
+                <a:sym typeface="Wingdings"/>
+              </a:rPr>
+              <a:t></a:t>
             </a:r>
             <a:endParaRPr lang="en-US" dirty="0"/>
           </a:p>
@@ -7646,6 +7734,13 @@
   <p:clrMapOvr>
     <a:masterClrMapping/>
   </p:clrMapOvr>
+  <p:timing>
+    <p:tnLst>
+      <p:par>
+        <p:cTn id="1" dur="indefinite" restart="never" nodeType="tmRoot"/>
+      </p:par>
+    </p:tnLst>
+  </p:timing>
 </p:sld>
 </file>
 
@@ -7690,6 +7785,256 @@
           </a:prstGeom>
         </p:spPr>
       </p:pic>
+      <p:sp>
+        <p:nvSpPr>
+          <p:cNvPr id="6" name="Left Arrow 5"/>
+          <p:cNvSpPr/>
+          <p:nvPr/>
+        </p:nvSpPr>
+        <p:spPr>
+          <a:xfrm>
+            <a:off x="6531429" y="2906486"/>
+            <a:ext cx="457200" cy="277586"/>
+          </a:xfrm>
+          <a:prstGeom prst="leftArrow">
+            <a:avLst/>
+          </a:prstGeom>
+          <a:solidFill>
+            <a:srgbClr val="C00000"/>
+          </a:solidFill>
+        </p:spPr>
+        <p:style>
+          <a:lnRef idx="2">
+            <a:schemeClr val="accent1">
+              <a:shade val="50000"/>
+            </a:schemeClr>
+          </a:lnRef>
+          <a:fillRef idx="1">
+            <a:schemeClr val="accent1"/>
+          </a:fillRef>
+          <a:effectRef idx="0">
+            <a:schemeClr val="accent1"/>
+          </a:effectRef>
+          <a:fontRef idx="minor">
+            <a:schemeClr val="lt1"/>
+          </a:fontRef>
+        </p:style>
+        <p:txBody>
+          <a:bodyPr rtlCol="0" anchor="ctr"/>
+          <a:lstStyle/>
+          <a:p>
+            <a:pPr algn="ctr"/>
+            <a:endParaRPr lang="en-US">
+              <a:solidFill>
+                <a:srgbClr val="FF0000"/>
+              </a:solidFill>
+            </a:endParaRPr>
+          </a:p>
+        </p:txBody>
+      </p:sp>
+      <p:sp>
+        <p:nvSpPr>
+          <p:cNvPr id="7" name="Left Arrow 6"/>
+          <p:cNvSpPr/>
+          <p:nvPr/>
+        </p:nvSpPr>
+        <p:spPr>
+          <a:xfrm>
+            <a:off x="10945586" y="2906486"/>
+            <a:ext cx="457200" cy="277586"/>
+          </a:xfrm>
+          <a:prstGeom prst="leftArrow">
+            <a:avLst/>
+          </a:prstGeom>
+          <a:solidFill>
+            <a:srgbClr val="C00000"/>
+          </a:solidFill>
+        </p:spPr>
+        <p:style>
+          <a:lnRef idx="2">
+            <a:schemeClr val="accent1">
+              <a:shade val="50000"/>
+            </a:schemeClr>
+          </a:lnRef>
+          <a:fillRef idx="1">
+            <a:schemeClr val="accent1"/>
+          </a:fillRef>
+          <a:effectRef idx="0">
+            <a:schemeClr val="accent1"/>
+          </a:effectRef>
+          <a:fontRef idx="minor">
+            <a:schemeClr val="lt1"/>
+          </a:fontRef>
+        </p:style>
+        <p:txBody>
+          <a:bodyPr rtlCol="0" anchor="ctr"/>
+          <a:lstStyle/>
+          <a:p>
+            <a:pPr algn="ctr"/>
+            <a:endParaRPr lang="en-US">
+              <a:solidFill>
+                <a:srgbClr val="FF0000"/>
+              </a:solidFill>
+            </a:endParaRPr>
+          </a:p>
+        </p:txBody>
+      </p:sp>
+      <p:sp>
+        <p:nvSpPr>
+          <p:cNvPr id="9" name="Left Arrow 8"/>
+          <p:cNvSpPr/>
+          <p:nvPr/>
+        </p:nvSpPr>
+        <p:spPr>
+          <a:xfrm>
+            <a:off x="7053944" y="2612572"/>
+            <a:ext cx="457200" cy="277586"/>
+          </a:xfrm>
+          <a:prstGeom prst="leftArrow">
+            <a:avLst/>
+          </a:prstGeom>
+          <a:solidFill>
+            <a:schemeClr val="accent4"/>
+          </a:solidFill>
+          <a:ln>
+            <a:solidFill>
+              <a:schemeClr val="accent4"/>
+            </a:solidFill>
+          </a:ln>
+        </p:spPr>
+        <p:style>
+          <a:lnRef idx="2">
+            <a:schemeClr val="accent1">
+              <a:shade val="50000"/>
+            </a:schemeClr>
+          </a:lnRef>
+          <a:fillRef idx="1">
+            <a:schemeClr val="accent1"/>
+          </a:fillRef>
+          <a:effectRef idx="0">
+            <a:schemeClr val="accent1"/>
+          </a:effectRef>
+          <a:fontRef idx="minor">
+            <a:schemeClr val="lt1"/>
+          </a:fontRef>
+        </p:style>
+        <p:txBody>
+          <a:bodyPr rtlCol="0" anchor="ctr"/>
+          <a:lstStyle/>
+          <a:p>
+            <a:pPr algn="ctr"/>
+            <a:endParaRPr lang="en-US">
+              <a:solidFill>
+                <a:schemeClr val="accent4"/>
+              </a:solidFill>
+            </a:endParaRPr>
+          </a:p>
+        </p:txBody>
+      </p:sp>
+      <p:sp>
+        <p:nvSpPr>
+          <p:cNvPr id="10" name="Left Arrow 9"/>
+          <p:cNvSpPr/>
+          <p:nvPr/>
+        </p:nvSpPr>
+        <p:spPr>
+          <a:xfrm>
+            <a:off x="4528458" y="4087586"/>
+            <a:ext cx="457200" cy="277586"/>
+          </a:xfrm>
+          <a:prstGeom prst="leftArrow">
+            <a:avLst/>
+          </a:prstGeom>
+          <a:solidFill>
+            <a:schemeClr val="accent4"/>
+          </a:solidFill>
+          <a:ln>
+            <a:solidFill>
+              <a:schemeClr val="accent4"/>
+            </a:solidFill>
+          </a:ln>
+        </p:spPr>
+        <p:style>
+          <a:lnRef idx="2">
+            <a:schemeClr val="accent1">
+              <a:shade val="50000"/>
+            </a:schemeClr>
+          </a:lnRef>
+          <a:fillRef idx="1">
+            <a:schemeClr val="accent1"/>
+          </a:fillRef>
+          <a:effectRef idx="0">
+            <a:schemeClr val="accent1"/>
+          </a:effectRef>
+          <a:fontRef idx="minor">
+            <a:schemeClr val="lt1"/>
+          </a:fontRef>
+        </p:style>
+        <p:txBody>
+          <a:bodyPr rtlCol="0" anchor="ctr"/>
+          <a:lstStyle/>
+          <a:p>
+            <a:pPr algn="ctr"/>
+            <a:endParaRPr lang="en-US">
+              <a:solidFill>
+                <a:schemeClr val="accent4"/>
+              </a:solidFill>
+            </a:endParaRPr>
+          </a:p>
+        </p:txBody>
+      </p:sp>
+      <p:sp>
+        <p:nvSpPr>
+          <p:cNvPr id="11" name="Left Arrow 10"/>
+          <p:cNvSpPr/>
+          <p:nvPr/>
+        </p:nvSpPr>
+        <p:spPr>
+          <a:xfrm>
+            <a:off x="7315202" y="4691744"/>
+            <a:ext cx="457200" cy="277586"/>
+          </a:xfrm>
+          <a:prstGeom prst="leftArrow">
+            <a:avLst/>
+          </a:prstGeom>
+          <a:solidFill>
+            <a:schemeClr val="accent4"/>
+          </a:solidFill>
+          <a:ln>
+            <a:solidFill>
+              <a:schemeClr val="accent4"/>
+            </a:solidFill>
+          </a:ln>
+        </p:spPr>
+        <p:style>
+          <a:lnRef idx="2">
+            <a:schemeClr val="accent1">
+              <a:shade val="50000"/>
+            </a:schemeClr>
+          </a:lnRef>
+          <a:fillRef idx="1">
+            <a:schemeClr val="accent1"/>
+          </a:fillRef>
+          <a:effectRef idx="0">
+            <a:schemeClr val="accent1"/>
+          </a:effectRef>
+          <a:fontRef idx="minor">
+            <a:schemeClr val="lt1"/>
+          </a:fontRef>
+        </p:style>
+        <p:txBody>
+          <a:bodyPr rtlCol="0" anchor="ctr"/>
+          <a:lstStyle/>
+          <a:p>
+            <a:pPr algn="ctr"/>
+            <a:endParaRPr lang="en-US">
+              <a:solidFill>
+                <a:schemeClr val="accent4"/>
+              </a:solidFill>
+            </a:endParaRPr>
+          </a:p>
+        </p:txBody>
+      </p:sp>
     </p:spTree>
     <p:extLst>
       <p:ext uri="{BB962C8B-B14F-4D97-AF65-F5344CB8AC3E}">
@@ -7700,6 +8045,13 @@
   <p:clrMapOvr>
     <a:masterClrMapping/>
   </p:clrMapOvr>
+  <p:timing>
+    <p:tnLst>
+      <p:par>
+        <p:cTn id="1" dur="indefinite" restart="never" nodeType="tmRoot"/>
+      </p:par>
+    </p:tnLst>
+  </p:timing>
 </p:sld>
 </file>
 
@@ -7754,6 +8106,13 @@
   <p:clrMapOvr>
     <a:masterClrMapping/>
   </p:clrMapOvr>
+  <p:timing>
+    <p:tnLst>
+      <p:par>
+        <p:cTn id="1" dur="indefinite" restart="never" nodeType="tmRoot"/>
+      </p:par>
+    </p:tnLst>
+  </p:timing>
 </p:sld>
 </file>
 
@@ -7808,6 +8167,13 @@
   <p:clrMapOvr>
     <a:masterClrMapping/>
   </p:clrMapOvr>
+  <p:timing>
+    <p:tnLst>
+      <p:par>
+        <p:cTn id="1" dur="indefinite" restart="never" nodeType="tmRoot"/>
+      </p:par>
+    </p:tnLst>
+  </p:timing>
 </p:sld>
 </file>
 
@@ -7862,6 +8228,13 @@
   <p:clrMapOvr>
     <a:masterClrMapping/>
   </p:clrMapOvr>
+  <p:timing>
+    <p:tnLst>
+      <p:par>
+        <p:cTn id="1" dur="indefinite" restart="never" nodeType="tmRoot"/>
+      </p:par>
+    </p:tnLst>
+  </p:timing>
 </p:sld>
 </file>
 
@@ -7900,7 +8273,7 @@
         </p:spPr>
         <p:txBody>
           <a:bodyPr>
-            <a:normAutofit/>
+            <a:normAutofit lnSpcReduction="10000"/>
           </a:bodyPr>
           <a:lstStyle/>
           <a:p>
@@ -7915,6 +8288,10 @@
               <a:rPr lang="en-US" sz="2400" dirty="0" smtClean="0"/>
               <a:t>National Survey data from 2013, self-reported by LHDs</a:t>
             </a:r>
+            <a:br>
+              <a:rPr lang="en-US" sz="2400" dirty="0" smtClean="0"/>
+            </a:br>
+            <a:endParaRPr lang="en-US" sz="2400" dirty="0" smtClean="0"/>
           </a:p>
           <a:p>
             <a:r>
@@ -7972,6 +8349,13 @@
   <p:clrMapOvr>
     <a:masterClrMapping/>
   </p:clrMapOvr>
+  <p:timing>
+    <p:tnLst>
+      <p:par>
+        <p:cTn id="1" dur="indefinite" restart="never" nodeType="tmRoot"/>
+      </p:par>
+    </p:tnLst>
+  </p:timing>
 </p:sld>
 </file>
 
